--- a/Network-Security/Module_0 Introduction/NetSec Module 0 -- Networking Overview.pptx
+++ b/Network-Security/Module_0 Introduction/NetSec Module 0 -- Networking Overview.pptx
@@ -282,7 +282,7 @@
               <a:pPr>
                 <a:defRPr/>
               </a:pPr>
-              <a:t>3/20/2018</a:t>
+              <a:t>4/20/18</a:t>
             </a:fld>
             <a:endParaRPr lang="en-US"/>
           </a:p>
@@ -3948,7 +3948,7 @@
           <p:cNvPr id="2" name="Title 1">
             <a:extLst>
               <a:ext uri="{FF2B5EF4-FFF2-40B4-BE49-F238E27FC236}">
-                <a16:creationId xmlns:a16="http://schemas.microsoft.com/office/drawing/2014/main" id="{5C287DE2-E1A2-4F41-96FE-94AF4425CB03}"/>
+                <a16:creationId xmlns:a16="http://schemas.microsoft.com/office/drawing/2014/main" xmlns="" id="{5C287DE2-E1A2-4F41-96FE-94AF4425CB03}"/>
               </a:ext>
             </a:extLst>
           </p:cNvPr>
@@ -3973,6 +3973,10 @@
             </a:lvl1pPr>
           </a:lstStyle>
           <a:p>
+            <a:r>
+              <a:rPr lang="en-US" dirty="0"/>
+              <a:t/>
+            </a:r>
             <a:br>
               <a:rPr lang="en-US" dirty="0"/>
             </a:br>
@@ -3983,27 +3987,59 @@
             <a:br>
               <a:rPr lang="en-US" dirty="0"/>
             </a:br>
+            <a:r>
+              <a:rPr lang="en-US" dirty="0"/>
+              <a:t/>
+            </a:r>
             <a:br>
               <a:rPr lang="en-US" dirty="0"/>
             </a:br>
+            <a:r>
+              <a:rPr lang="en-US" dirty="0"/>
+              <a:t/>
+            </a:r>
             <a:br>
               <a:rPr lang="en-US" dirty="0"/>
             </a:br>
+            <a:r>
+              <a:rPr lang="en-US" dirty="0"/>
+              <a:t/>
+            </a:r>
             <a:br>
               <a:rPr lang="en-US" dirty="0"/>
             </a:br>
+            <a:r>
+              <a:rPr lang="en-US" dirty="0"/>
+              <a:t/>
+            </a:r>
             <a:br>
               <a:rPr lang="en-US" dirty="0"/>
             </a:br>
+            <a:r>
+              <a:rPr lang="en-US" dirty="0"/>
+              <a:t/>
+            </a:r>
             <a:br>
               <a:rPr lang="en-US" dirty="0"/>
             </a:br>
+            <a:r>
+              <a:rPr lang="en-US" dirty="0"/>
+              <a:t/>
+            </a:r>
             <a:br>
               <a:rPr lang="en-US" dirty="0"/>
             </a:br>
+            <a:r>
+              <a:rPr lang="en-US" dirty="0"/>
+              <a:t/>
+            </a:r>
             <a:br>
               <a:rPr lang="en-US" dirty="0"/>
             </a:br>
+            <a:r>
+              <a:rPr lang="en-US" dirty="0"/>
+              <a:t/>
+            </a:r>
             <a:br>
               <a:rPr lang="en-US" dirty="0"/>
             </a:br>
@@ -4014,6 +4050,10 @@
             <a:br>
               <a:rPr lang="en-US" dirty="0"/>
             </a:br>
+            <a:r>
+              <a:rPr lang="en-US" dirty="0"/>
+              <a:t/>
+            </a:r>
             <a:br>
               <a:rPr lang="en-US" dirty="0"/>
             </a:br>
@@ -4024,6 +4064,10 @@
             <a:br>
               <a:rPr lang="en-US" dirty="0"/>
             </a:br>
+            <a:r>
+              <a:rPr lang="en-US" dirty="0"/>
+              <a:t/>
+            </a:r>
             <a:br>
               <a:rPr lang="en-US" dirty="0"/>
             </a:br>
@@ -4043,7 +4087,7 @@
           <p:cNvPr id="3" name="Slide Number Placeholder 2">
             <a:extLst>
               <a:ext uri="{FF2B5EF4-FFF2-40B4-BE49-F238E27FC236}">
-                <a16:creationId xmlns:a16="http://schemas.microsoft.com/office/drawing/2014/main" id="{7D2FFADE-E1BC-48C1-83AA-6DDDD39A33C4}"/>
+                <a16:creationId xmlns:a16="http://schemas.microsoft.com/office/drawing/2014/main" xmlns="" id="{7D2FFADE-E1BC-48C1-83AA-6DDDD39A33C4}"/>
               </a:ext>
             </a:extLst>
           </p:cNvPr>
@@ -4078,7 +4122,7 @@
           <p:cNvPr id="9" name="Picture 8">
             <a:extLst>
               <a:ext uri="{FF2B5EF4-FFF2-40B4-BE49-F238E27FC236}">
-                <a16:creationId xmlns:a16="http://schemas.microsoft.com/office/drawing/2014/main" id="{9CBFC76A-A606-42CF-BCDF-C73975C150B9}"/>
+                <a16:creationId xmlns:a16="http://schemas.microsoft.com/office/drawing/2014/main" xmlns="" id="{9CBFC76A-A606-42CF-BCDF-C73975C150B9}"/>
               </a:ext>
             </a:extLst>
           </p:cNvPr>
@@ -5044,6 +5088,14 @@
           <a:bodyPr/>
           <a:lstStyle/>
           <a:p>
+            <a:r>
+              <a:rPr lang="en-US" dirty="0">
+                <a:solidFill>
+                  <a:srgbClr val="FF00FF"/>
+                </a:solidFill>
+              </a:rPr>
+              <a:t/>
+            </a:r>
             <a:br>
               <a:rPr lang="en-US" dirty="0">
                 <a:solidFill>
@@ -5051,6 +5103,14 @@
                 </a:solidFill>
               </a:rPr>
             </a:br>
+            <a:r>
+              <a:rPr lang="en-US" dirty="0">
+                <a:solidFill>
+                  <a:srgbClr val="FF00FF"/>
+                </a:solidFill>
+              </a:rPr>
+              <a:t/>
+            </a:r>
             <a:br>
               <a:rPr lang="en-US" dirty="0">
                 <a:solidFill>
@@ -5631,21 +5691,21 @@
                 <a:gridCol w="2443566">
                   <a:extLst>
                     <a:ext uri="{9D8B030D-6E8A-4147-A177-3AD203B41FA5}">
-                      <a16:colId xmlns:a16="http://schemas.microsoft.com/office/drawing/2014/main" val="94545697"/>
+                      <a16:colId xmlns:a16="http://schemas.microsoft.com/office/drawing/2014/main" xmlns="" val="94545697"/>
                     </a:ext>
                   </a:extLst>
                 </a:gridCol>
                 <a:gridCol w="2443566">
                   <a:extLst>
                     <a:ext uri="{9D8B030D-6E8A-4147-A177-3AD203B41FA5}">
-                      <a16:colId xmlns:a16="http://schemas.microsoft.com/office/drawing/2014/main" val="20000"/>
+                      <a16:colId xmlns:a16="http://schemas.microsoft.com/office/drawing/2014/main" xmlns="" val="20000"/>
                     </a:ext>
                   </a:extLst>
                 </a:gridCol>
                 <a:gridCol w="2443566">
                   <a:extLst>
                     <a:ext uri="{9D8B030D-6E8A-4147-A177-3AD203B41FA5}">
-                      <a16:colId xmlns:a16="http://schemas.microsoft.com/office/drawing/2014/main" val="20001"/>
+                      <a16:colId xmlns:a16="http://schemas.microsoft.com/office/drawing/2014/main" xmlns="" val="20001"/>
                     </a:ext>
                   </a:extLst>
                 </a:gridCol>
@@ -5692,7 +5752,7 @@
                 </a:tc>
                 <a:extLst>
                   <a:ext uri="{0D108BD9-81ED-4DB2-BD59-A6C34878D82A}">
-                    <a16:rowId xmlns:a16="http://schemas.microsoft.com/office/drawing/2014/main" val="1280550423"/>
+                    <a16:rowId xmlns:a16="http://schemas.microsoft.com/office/drawing/2014/main" xmlns="" val="1280550423"/>
                   </a:ext>
                 </a:extLst>
               </a:tr>
@@ -5746,7 +5806,7 @@
                 </a:tc>
                 <a:extLst>
                   <a:ext uri="{0D108BD9-81ED-4DB2-BD59-A6C34878D82A}">
-                    <a16:rowId xmlns:a16="http://schemas.microsoft.com/office/drawing/2014/main" val="10000"/>
+                    <a16:rowId xmlns:a16="http://schemas.microsoft.com/office/drawing/2014/main" xmlns="" val="10000"/>
                   </a:ext>
                 </a:extLst>
               </a:tr>
@@ -5795,7 +5855,7 @@
                 </a:tc>
                 <a:extLst>
                   <a:ext uri="{0D108BD9-81ED-4DB2-BD59-A6C34878D82A}">
-                    <a16:rowId xmlns:a16="http://schemas.microsoft.com/office/drawing/2014/main" val="10001"/>
+                    <a16:rowId xmlns:a16="http://schemas.microsoft.com/office/drawing/2014/main" xmlns="" val="10001"/>
                   </a:ext>
                 </a:extLst>
               </a:tr>
@@ -5844,7 +5904,7 @@
                 </a:tc>
                 <a:extLst>
                   <a:ext uri="{0D108BD9-81ED-4DB2-BD59-A6C34878D82A}">
-                    <a16:rowId xmlns:a16="http://schemas.microsoft.com/office/drawing/2014/main" val="10002"/>
+                    <a16:rowId xmlns:a16="http://schemas.microsoft.com/office/drawing/2014/main" xmlns="" val="10002"/>
                   </a:ext>
                 </a:extLst>
               </a:tr>
@@ -5893,7 +5953,7 @@
                 </a:tc>
                 <a:extLst>
                   <a:ext uri="{0D108BD9-81ED-4DB2-BD59-A6C34878D82A}">
-                    <a16:rowId xmlns:a16="http://schemas.microsoft.com/office/drawing/2014/main" val="10003"/>
+                    <a16:rowId xmlns:a16="http://schemas.microsoft.com/office/drawing/2014/main" xmlns="" val="10003"/>
                   </a:ext>
                 </a:extLst>
               </a:tr>
@@ -5938,7 +5998,7 @@
                 </a:tc>
                 <a:extLst>
                   <a:ext uri="{0D108BD9-81ED-4DB2-BD59-A6C34878D82A}">
-                    <a16:rowId xmlns:a16="http://schemas.microsoft.com/office/drawing/2014/main" val="10004"/>
+                    <a16:rowId xmlns:a16="http://schemas.microsoft.com/office/drawing/2014/main" xmlns="" val="10004"/>
                   </a:ext>
                 </a:extLst>
               </a:tr>
@@ -5984,7 +6044,7 @@
           <p:cNvPr id="2" name="Title 1">
             <a:extLst>
               <a:ext uri="{FF2B5EF4-FFF2-40B4-BE49-F238E27FC236}">
-                <a16:creationId xmlns:a16="http://schemas.microsoft.com/office/drawing/2014/main" id="{EBEAE4F0-B342-45E4-94DE-A5D4924DDBA8}"/>
+                <a16:creationId xmlns:a16="http://schemas.microsoft.com/office/drawing/2014/main" xmlns="" id="{EBEAE4F0-B342-45E4-94DE-A5D4924DDBA8}"/>
               </a:ext>
             </a:extLst>
           </p:cNvPr>
@@ -6012,7 +6072,7 @@
           <p:cNvPr id="3" name="Content Placeholder 2">
             <a:extLst>
               <a:ext uri="{FF2B5EF4-FFF2-40B4-BE49-F238E27FC236}">
-                <a16:creationId xmlns:a16="http://schemas.microsoft.com/office/drawing/2014/main" id="{D107A444-BAF9-4762-B08C-DC215832F56E}"/>
+                <a16:creationId xmlns:a16="http://schemas.microsoft.com/office/drawing/2014/main" xmlns="" id="{D107A444-BAF9-4762-B08C-DC215832F56E}"/>
               </a:ext>
             </a:extLst>
           </p:cNvPr>
@@ -6045,7 +6105,7 @@
           <p:cNvPr id="4" name="Slide Number Placeholder 3">
             <a:extLst>
               <a:ext uri="{FF2B5EF4-FFF2-40B4-BE49-F238E27FC236}">
-                <a16:creationId xmlns:a16="http://schemas.microsoft.com/office/drawing/2014/main" id="{65DE1F3F-209A-40D7-A222-4714644BA711}"/>
+                <a16:creationId xmlns:a16="http://schemas.microsoft.com/office/drawing/2014/main" xmlns="" id="{65DE1F3F-209A-40D7-A222-4714644BA711}"/>
               </a:ext>
             </a:extLst>
           </p:cNvPr>
@@ -6080,7 +6140,7 @@
           <p:cNvPr id="5" name="Rectangle 4" descr="Sample http packet" title="HTTP Packet">
             <a:extLst>
               <a:ext uri="{FF2B5EF4-FFF2-40B4-BE49-F238E27FC236}">
-                <a16:creationId xmlns:a16="http://schemas.microsoft.com/office/drawing/2014/main" id="{47F9947B-5F62-4CB1-9892-B042FA48F4F7}"/>
+                <a16:creationId xmlns:a16="http://schemas.microsoft.com/office/drawing/2014/main" xmlns="" id="{47F9947B-5F62-4CB1-9892-B042FA48F4F7}"/>
               </a:ext>
             </a:extLst>
           </p:cNvPr>
@@ -6129,7 +6189,7 @@
           <p:cNvPr id="22" name="Group 21" descr="TCP Header prepended to HTTP packet." title="TCP Wrapped HTTP packet">
             <a:extLst>
               <a:ext uri="{FF2B5EF4-FFF2-40B4-BE49-F238E27FC236}">
-                <a16:creationId xmlns:a16="http://schemas.microsoft.com/office/drawing/2014/main" id="{FA27DC24-98BE-4928-98C3-30A503E17FFA}"/>
+                <a16:creationId xmlns:a16="http://schemas.microsoft.com/office/drawing/2014/main" xmlns="" id="{FA27DC24-98BE-4928-98C3-30A503E17FFA}"/>
               </a:ext>
             </a:extLst>
           </p:cNvPr>
@@ -6149,7 +6209,7 @@
             <p:cNvPr id="6" name="Rectangle 5">
               <a:extLst>
                 <a:ext uri="{FF2B5EF4-FFF2-40B4-BE49-F238E27FC236}">
-                  <a16:creationId xmlns:a16="http://schemas.microsoft.com/office/drawing/2014/main" id="{FC160E11-66DA-4D3A-8A05-26573FC28D29}"/>
+                  <a16:creationId xmlns:a16="http://schemas.microsoft.com/office/drawing/2014/main" xmlns="" id="{FC160E11-66DA-4D3A-8A05-26573FC28D29}"/>
                 </a:ext>
               </a:extLst>
             </p:cNvPr>
@@ -6198,7 +6258,7 @@
             <p:cNvPr id="7" name="Rectangle 6">
               <a:extLst>
                 <a:ext uri="{FF2B5EF4-FFF2-40B4-BE49-F238E27FC236}">
-                  <a16:creationId xmlns:a16="http://schemas.microsoft.com/office/drawing/2014/main" id="{51CA4A83-0567-4F0D-8F6E-A497B1A24168}"/>
+                  <a16:creationId xmlns:a16="http://schemas.microsoft.com/office/drawing/2014/main" xmlns="" id="{51CA4A83-0567-4F0D-8F6E-A497B1A24168}"/>
                 </a:ext>
               </a:extLst>
             </p:cNvPr>
@@ -6248,7 +6308,7 @@
           <p:cNvPr id="21" name="Group 20" descr="IP Header prepended to from of TCP packet (which contains TCP header prepedned to HTTP packet)" title="IP Wrapped TCP Packet">
             <a:extLst>
               <a:ext uri="{FF2B5EF4-FFF2-40B4-BE49-F238E27FC236}">
-                <a16:creationId xmlns:a16="http://schemas.microsoft.com/office/drawing/2014/main" id="{9FE580B5-C821-4439-87A1-006C1B4D1609}"/>
+                <a16:creationId xmlns:a16="http://schemas.microsoft.com/office/drawing/2014/main" xmlns="" id="{9FE580B5-C821-4439-87A1-006C1B4D1609}"/>
               </a:ext>
             </a:extLst>
           </p:cNvPr>
@@ -6268,7 +6328,7 @@
             <p:cNvPr id="11" name="Rectangle 10">
               <a:extLst>
                 <a:ext uri="{FF2B5EF4-FFF2-40B4-BE49-F238E27FC236}">
-                  <a16:creationId xmlns:a16="http://schemas.microsoft.com/office/drawing/2014/main" id="{815D1D12-E8B5-44D7-B36D-BB756E714C72}"/>
+                  <a16:creationId xmlns:a16="http://schemas.microsoft.com/office/drawing/2014/main" xmlns="" id="{815D1D12-E8B5-44D7-B36D-BB756E714C72}"/>
                 </a:ext>
               </a:extLst>
             </p:cNvPr>
@@ -6317,7 +6377,7 @@
             <p:cNvPr id="12" name="Rectangle 11">
               <a:extLst>
                 <a:ext uri="{FF2B5EF4-FFF2-40B4-BE49-F238E27FC236}">
-                  <a16:creationId xmlns:a16="http://schemas.microsoft.com/office/drawing/2014/main" id="{6582AF6C-18B2-4D31-B30B-B4EA39C67797}"/>
+                  <a16:creationId xmlns:a16="http://schemas.microsoft.com/office/drawing/2014/main" xmlns="" id="{6582AF6C-18B2-4D31-B30B-B4EA39C67797}"/>
                 </a:ext>
               </a:extLst>
             </p:cNvPr>
@@ -6366,7 +6426,7 @@
             <p:cNvPr id="13" name="Rectangle 12">
               <a:extLst>
                 <a:ext uri="{FF2B5EF4-FFF2-40B4-BE49-F238E27FC236}">
-                  <a16:creationId xmlns:a16="http://schemas.microsoft.com/office/drawing/2014/main" id="{1B9BF5F9-525E-42CB-8FF6-AAF56789B263}"/>
+                  <a16:creationId xmlns:a16="http://schemas.microsoft.com/office/drawing/2014/main" xmlns="" id="{1B9BF5F9-525E-42CB-8FF6-AAF56789B263}"/>
                 </a:ext>
               </a:extLst>
             </p:cNvPr>
@@ -6416,7 +6476,7 @@
           <p:cNvPr id="20" name="Group 19" descr="PPP protocol transmits full packet from one machine to the next." title="PPP Encapsulation">
             <a:extLst>
               <a:ext uri="{FF2B5EF4-FFF2-40B4-BE49-F238E27FC236}">
-                <a16:creationId xmlns:a16="http://schemas.microsoft.com/office/drawing/2014/main" id="{A53E8AC5-4BDE-4807-8B45-BE1FA2705970}"/>
+                <a16:creationId xmlns:a16="http://schemas.microsoft.com/office/drawing/2014/main" xmlns="" id="{A53E8AC5-4BDE-4807-8B45-BE1FA2705970}"/>
               </a:ext>
             </a:extLst>
           </p:cNvPr>
@@ -6436,7 +6496,7 @@
             <p:cNvPr id="17" name="Rectangle: Rounded Corners 16" descr="PPP protocol encapsulated whole packet to allow node to node communication." title="PPP Encapsulation">
               <a:extLst>
                 <a:ext uri="{FF2B5EF4-FFF2-40B4-BE49-F238E27FC236}">
-                  <a16:creationId xmlns:a16="http://schemas.microsoft.com/office/drawing/2014/main" id="{D1A368D7-1675-4102-9A13-8842296976CE}"/>
+                  <a16:creationId xmlns:a16="http://schemas.microsoft.com/office/drawing/2014/main" xmlns="" id="{D1A368D7-1675-4102-9A13-8842296976CE}"/>
                 </a:ext>
               </a:extLst>
             </p:cNvPr>
@@ -6484,7 +6544,7 @@
             <p:cNvPr id="14" name="Rectangle 13">
               <a:extLst>
                 <a:ext uri="{FF2B5EF4-FFF2-40B4-BE49-F238E27FC236}">
-                  <a16:creationId xmlns:a16="http://schemas.microsoft.com/office/drawing/2014/main" id="{8DF1BB35-A912-426E-B9B9-20037757CC0A}"/>
+                  <a16:creationId xmlns:a16="http://schemas.microsoft.com/office/drawing/2014/main" xmlns="" id="{8DF1BB35-A912-426E-B9B9-20037757CC0A}"/>
                 </a:ext>
               </a:extLst>
             </p:cNvPr>
@@ -6533,7 +6593,7 @@
             <p:cNvPr id="15" name="Rectangle 14">
               <a:extLst>
                 <a:ext uri="{FF2B5EF4-FFF2-40B4-BE49-F238E27FC236}">
-                  <a16:creationId xmlns:a16="http://schemas.microsoft.com/office/drawing/2014/main" id="{EA7372A8-4A10-4EC7-8B98-EA15AC321F2E}"/>
+                  <a16:creationId xmlns:a16="http://schemas.microsoft.com/office/drawing/2014/main" xmlns="" id="{EA7372A8-4A10-4EC7-8B98-EA15AC321F2E}"/>
                 </a:ext>
               </a:extLst>
             </p:cNvPr>
@@ -6582,7 +6642,7 @@
             <p:cNvPr id="16" name="Rectangle 15">
               <a:extLst>
                 <a:ext uri="{FF2B5EF4-FFF2-40B4-BE49-F238E27FC236}">
-                  <a16:creationId xmlns:a16="http://schemas.microsoft.com/office/drawing/2014/main" id="{E7B96A87-8031-4AB6-AEEE-5AA19A026E43}"/>
+                  <a16:creationId xmlns:a16="http://schemas.microsoft.com/office/drawing/2014/main" xmlns="" id="{E7B96A87-8031-4AB6-AEEE-5AA19A026E43}"/>
                 </a:ext>
               </a:extLst>
             </p:cNvPr>
@@ -6632,7 +6692,7 @@
           <p:cNvPr id="18" name="TextBox 17">
             <a:extLst>
               <a:ext uri="{FF2B5EF4-FFF2-40B4-BE49-F238E27FC236}">
-                <a16:creationId xmlns:a16="http://schemas.microsoft.com/office/drawing/2014/main" id="{7E032516-B8EA-4A47-B9AC-C2F7D481E7F8}"/>
+                <a16:creationId xmlns:a16="http://schemas.microsoft.com/office/drawing/2014/main" xmlns="" id="{7E032516-B8EA-4A47-B9AC-C2F7D481E7F8}"/>
               </a:ext>
             </a:extLst>
           </p:cNvPr>
@@ -6667,7 +6727,7 @@
           <p:cNvPr id="19" name="TextBox 18">
             <a:extLst>
               <a:ext uri="{FF2B5EF4-FFF2-40B4-BE49-F238E27FC236}">
-                <a16:creationId xmlns:a16="http://schemas.microsoft.com/office/drawing/2014/main" id="{04AB0A22-6DE2-4C99-A6D7-CD8A9222D4E0}"/>
+                <a16:creationId xmlns:a16="http://schemas.microsoft.com/office/drawing/2014/main" xmlns="" id="{04AB0A22-6DE2-4C99-A6D7-CD8A9222D4E0}"/>
               </a:ext>
             </a:extLst>
           </p:cNvPr>
@@ -6702,7 +6762,7 @@
           <p:cNvPr id="23" name="TextBox 22">
             <a:extLst>
               <a:ext uri="{FF2B5EF4-FFF2-40B4-BE49-F238E27FC236}">
-                <a16:creationId xmlns:a16="http://schemas.microsoft.com/office/drawing/2014/main" id="{9E0523DA-7AE4-4D71-82BB-56655D69DDAF}"/>
+                <a16:creationId xmlns:a16="http://schemas.microsoft.com/office/drawing/2014/main" xmlns="" id="{9E0523DA-7AE4-4D71-82BB-56655D69DDAF}"/>
               </a:ext>
             </a:extLst>
           </p:cNvPr>
@@ -6737,7 +6797,7 @@
           <p:cNvPr id="24" name="TextBox 23">
             <a:extLst>
               <a:ext uri="{FF2B5EF4-FFF2-40B4-BE49-F238E27FC236}">
-                <a16:creationId xmlns:a16="http://schemas.microsoft.com/office/drawing/2014/main" id="{9FC8CD82-1B6F-45DC-B783-5A2B7DC0965C}"/>
+                <a16:creationId xmlns:a16="http://schemas.microsoft.com/office/drawing/2014/main" xmlns="" id="{9FC8CD82-1B6F-45DC-B783-5A2B7DC0965C}"/>
               </a:ext>
             </a:extLst>
           </p:cNvPr>
@@ -6805,7 +6865,7 @@
           <p:cNvPr id="11" name="Title 10">
             <a:extLst>
               <a:ext uri="{FF2B5EF4-FFF2-40B4-BE49-F238E27FC236}">
-                <a16:creationId xmlns:a16="http://schemas.microsoft.com/office/drawing/2014/main" id="{1F52A716-5142-4987-84C0-078D1007C406}"/>
+                <a16:creationId xmlns:a16="http://schemas.microsoft.com/office/drawing/2014/main" xmlns="" id="{1F52A716-5142-4987-84C0-078D1007C406}"/>
               </a:ext>
             </a:extLst>
           </p:cNvPr>
@@ -6830,7 +6890,7 @@
           <p:cNvPr id="7" name="Slide Number Placeholder 6">
             <a:extLst>
               <a:ext uri="{FF2B5EF4-FFF2-40B4-BE49-F238E27FC236}">
-                <a16:creationId xmlns:a16="http://schemas.microsoft.com/office/drawing/2014/main" id="{27B55DC7-B95B-4807-B808-1E7A81E0F45A}"/>
+                <a16:creationId xmlns:a16="http://schemas.microsoft.com/office/drawing/2014/main" xmlns="" id="{27B55DC7-B95B-4807-B808-1E7A81E0F45A}"/>
               </a:ext>
             </a:extLst>
           </p:cNvPr>
@@ -7992,7 +8052,7 @@
           <p:cNvPr id="2" name="Group 1" descr="This diagram pictures the seven layers of the network stack. From top to bottom: Application, Presentation, Session, Transport, Network, Data Link, Physical. One stack of all seven layers on each side, representing two end points on the network. We can see communication directly between peer layers on the two hosts. However, thus communication is only logical., In reality communication goes from higher layers down to lower, until it reaches the physical layer. There it is transmitted to a neighboring (usually intermediate) node. That machine, inthis diagram implements the bottom three layers of the network stack. The data communication travels up from phyiscal through data link to the network layer, where routing decisions are made, and then back down to be sent along to similar intermediate nodes until eventually tothe end host where the communication proceeds up the stack the to appropriate peer layer." title="End to end Network Diagram">
             <a:extLst>
               <a:ext uri="{FF2B5EF4-FFF2-40B4-BE49-F238E27FC236}">
-                <a16:creationId xmlns:a16="http://schemas.microsoft.com/office/drawing/2014/main" id="{DBC27A6A-16AA-49B8-A8C5-D96C2816191F}"/>
+                <a16:creationId xmlns:a16="http://schemas.microsoft.com/office/drawing/2014/main" xmlns="" id="{DBC27A6A-16AA-49B8-A8C5-D96C2816191F}"/>
               </a:ext>
             </a:extLst>
           </p:cNvPr>

--- a/Network-Security/Module_0 Introduction/NetSec Module 0 -- Networking Overview.pptx
+++ b/Network-Security/Module_0 Introduction/NetSec Module 0 -- Networking Overview.pptx
@@ -22,7 +22,7 @@
     <p:sldId id="331" r:id="rId13"/>
     <p:sldId id="332" r:id="rId14"/>
     <p:sldId id="341" r:id="rId15"/>
-    <p:sldId id="333" r:id="rId16"/>
+    <p:sldId id="342" r:id="rId16"/>
   </p:sldIdLst>
   <p:sldSz cx="9144000" cy="6858000" type="screen4x3"/>
   <p:notesSz cx="7315200" cy="9601200"/>
@@ -282,7 +282,7 @@
               <a:pPr>
                 <a:defRPr/>
               </a:pPr>
-              <a:t>4/20/18</a:t>
+              <a:t>4/24/18</a:t>
             </a:fld>
             <a:endParaRPr lang="en-US"/>
           </a:p>
@@ -1264,7 +1264,7 @@
     </p:spTree>
     <p:extLst>
       <p:ext uri="{BB962C8B-B14F-4D97-AF65-F5344CB8AC3E}">
-        <p14:creationId xmlns:p14="http://schemas.microsoft.com/office/powerpoint/2010/main" val="2433617412"/>
+        <p14:creationId xmlns:p14="http://schemas.microsoft.com/office/powerpoint/2010/main" val="534972888"/>
       </p:ext>
     </p:extLst>
   </p:cSld>
@@ -3948,7 +3948,7 @@
           <p:cNvPr id="2" name="Title 1">
             <a:extLst>
               <a:ext uri="{FF2B5EF4-FFF2-40B4-BE49-F238E27FC236}">
-                <a16:creationId xmlns:a16="http://schemas.microsoft.com/office/drawing/2014/main" xmlns="" id="{5C287DE2-E1A2-4F41-96FE-94AF4425CB03}"/>
+                <a16:creationId xmlns="" xmlns:a16="http://schemas.microsoft.com/office/drawing/2014/main" id="{5C287DE2-E1A2-4F41-96FE-94AF4425CB03}"/>
               </a:ext>
             </a:extLst>
           </p:cNvPr>
@@ -4087,7 +4087,7 @@
           <p:cNvPr id="3" name="Slide Number Placeholder 2">
             <a:extLst>
               <a:ext uri="{FF2B5EF4-FFF2-40B4-BE49-F238E27FC236}">
-                <a16:creationId xmlns:a16="http://schemas.microsoft.com/office/drawing/2014/main" xmlns="" id="{7D2FFADE-E1BC-48C1-83AA-6DDDD39A33C4}"/>
+                <a16:creationId xmlns="" xmlns:a16="http://schemas.microsoft.com/office/drawing/2014/main" id="{7D2FFADE-E1BC-48C1-83AA-6DDDD39A33C4}"/>
               </a:ext>
             </a:extLst>
           </p:cNvPr>
@@ -4122,7 +4122,7 @@
           <p:cNvPr id="9" name="Picture 8">
             <a:extLst>
               <a:ext uri="{FF2B5EF4-FFF2-40B4-BE49-F238E27FC236}">
-                <a16:creationId xmlns:a16="http://schemas.microsoft.com/office/drawing/2014/main" xmlns="" id="{9CBFC76A-A606-42CF-BCDF-C73975C150B9}"/>
+                <a16:creationId xmlns="" xmlns:a16="http://schemas.microsoft.com/office/drawing/2014/main" id="{9CBFC76A-A606-42CF-BCDF-C73975C150B9}"/>
               </a:ext>
             </a:extLst>
           </p:cNvPr>
@@ -5691,21 +5691,21 @@
                 <a:gridCol w="2443566">
                   <a:extLst>
                     <a:ext uri="{9D8B030D-6E8A-4147-A177-3AD203B41FA5}">
-                      <a16:colId xmlns:a16="http://schemas.microsoft.com/office/drawing/2014/main" xmlns="" val="94545697"/>
+                      <a16:colId xmlns="" xmlns:a16="http://schemas.microsoft.com/office/drawing/2014/main" val="94545697"/>
                     </a:ext>
                   </a:extLst>
                 </a:gridCol>
                 <a:gridCol w="2443566">
                   <a:extLst>
                     <a:ext uri="{9D8B030D-6E8A-4147-A177-3AD203B41FA5}">
-                      <a16:colId xmlns:a16="http://schemas.microsoft.com/office/drawing/2014/main" xmlns="" val="20000"/>
+                      <a16:colId xmlns="" xmlns:a16="http://schemas.microsoft.com/office/drawing/2014/main" val="20000"/>
                     </a:ext>
                   </a:extLst>
                 </a:gridCol>
                 <a:gridCol w="2443566">
                   <a:extLst>
                     <a:ext uri="{9D8B030D-6E8A-4147-A177-3AD203B41FA5}">
-                      <a16:colId xmlns:a16="http://schemas.microsoft.com/office/drawing/2014/main" xmlns="" val="20001"/>
+                      <a16:colId xmlns="" xmlns:a16="http://schemas.microsoft.com/office/drawing/2014/main" val="20001"/>
                     </a:ext>
                   </a:extLst>
                 </a:gridCol>
@@ -5752,7 +5752,7 @@
                 </a:tc>
                 <a:extLst>
                   <a:ext uri="{0D108BD9-81ED-4DB2-BD59-A6C34878D82A}">
-                    <a16:rowId xmlns:a16="http://schemas.microsoft.com/office/drawing/2014/main" xmlns="" val="1280550423"/>
+                    <a16:rowId xmlns="" xmlns:a16="http://schemas.microsoft.com/office/drawing/2014/main" val="1280550423"/>
                   </a:ext>
                 </a:extLst>
               </a:tr>
@@ -5806,7 +5806,7 @@
                 </a:tc>
                 <a:extLst>
                   <a:ext uri="{0D108BD9-81ED-4DB2-BD59-A6C34878D82A}">
-                    <a16:rowId xmlns:a16="http://schemas.microsoft.com/office/drawing/2014/main" xmlns="" val="10000"/>
+                    <a16:rowId xmlns="" xmlns:a16="http://schemas.microsoft.com/office/drawing/2014/main" val="10000"/>
                   </a:ext>
                 </a:extLst>
               </a:tr>
@@ -5855,7 +5855,7 @@
                 </a:tc>
                 <a:extLst>
                   <a:ext uri="{0D108BD9-81ED-4DB2-BD59-A6C34878D82A}">
-                    <a16:rowId xmlns:a16="http://schemas.microsoft.com/office/drawing/2014/main" xmlns="" val="10001"/>
+                    <a16:rowId xmlns="" xmlns:a16="http://schemas.microsoft.com/office/drawing/2014/main" val="10001"/>
                   </a:ext>
                 </a:extLst>
               </a:tr>
@@ -5904,7 +5904,7 @@
                 </a:tc>
                 <a:extLst>
                   <a:ext uri="{0D108BD9-81ED-4DB2-BD59-A6C34878D82A}">
-                    <a16:rowId xmlns:a16="http://schemas.microsoft.com/office/drawing/2014/main" xmlns="" val="10002"/>
+                    <a16:rowId xmlns="" xmlns:a16="http://schemas.microsoft.com/office/drawing/2014/main" val="10002"/>
                   </a:ext>
                 </a:extLst>
               </a:tr>
@@ -5953,7 +5953,7 @@
                 </a:tc>
                 <a:extLst>
                   <a:ext uri="{0D108BD9-81ED-4DB2-BD59-A6C34878D82A}">
-                    <a16:rowId xmlns:a16="http://schemas.microsoft.com/office/drawing/2014/main" xmlns="" val="10003"/>
+                    <a16:rowId xmlns="" xmlns:a16="http://schemas.microsoft.com/office/drawing/2014/main" val="10003"/>
                   </a:ext>
                 </a:extLst>
               </a:tr>
@@ -5998,7 +5998,7 @@
                 </a:tc>
                 <a:extLst>
                   <a:ext uri="{0D108BD9-81ED-4DB2-BD59-A6C34878D82A}">
-                    <a16:rowId xmlns:a16="http://schemas.microsoft.com/office/drawing/2014/main" xmlns="" val="10004"/>
+                    <a16:rowId xmlns="" xmlns:a16="http://schemas.microsoft.com/office/drawing/2014/main" val="10004"/>
                   </a:ext>
                 </a:extLst>
               </a:tr>
@@ -6044,7 +6044,7 @@
           <p:cNvPr id="2" name="Title 1">
             <a:extLst>
               <a:ext uri="{FF2B5EF4-FFF2-40B4-BE49-F238E27FC236}">
-                <a16:creationId xmlns:a16="http://schemas.microsoft.com/office/drawing/2014/main" xmlns="" id="{EBEAE4F0-B342-45E4-94DE-A5D4924DDBA8}"/>
+                <a16:creationId xmlns="" xmlns:a16="http://schemas.microsoft.com/office/drawing/2014/main" id="{EBEAE4F0-B342-45E4-94DE-A5D4924DDBA8}"/>
               </a:ext>
             </a:extLst>
           </p:cNvPr>
@@ -6072,7 +6072,7 @@
           <p:cNvPr id="3" name="Content Placeholder 2">
             <a:extLst>
               <a:ext uri="{FF2B5EF4-FFF2-40B4-BE49-F238E27FC236}">
-                <a16:creationId xmlns:a16="http://schemas.microsoft.com/office/drawing/2014/main" xmlns="" id="{D107A444-BAF9-4762-B08C-DC215832F56E}"/>
+                <a16:creationId xmlns="" xmlns:a16="http://schemas.microsoft.com/office/drawing/2014/main" id="{D107A444-BAF9-4762-B08C-DC215832F56E}"/>
               </a:ext>
             </a:extLst>
           </p:cNvPr>
@@ -6105,7 +6105,7 @@
           <p:cNvPr id="4" name="Slide Number Placeholder 3">
             <a:extLst>
               <a:ext uri="{FF2B5EF4-FFF2-40B4-BE49-F238E27FC236}">
-                <a16:creationId xmlns:a16="http://schemas.microsoft.com/office/drawing/2014/main" xmlns="" id="{65DE1F3F-209A-40D7-A222-4714644BA711}"/>
+                <a16:creationId xmlns="" xmlns:a16="http://schemas.microsoft.com/office/drawing/2014/main" id="{65DE1F3F-209A-40D7-A222-4714644BA711}"/>
               </a:ext>
             </a:extLst>
           </p:cNvPr>
@@ -6140,7 +6140,7 @@
           <p:cNvPr id="5" name="Rectangle 4" descr="Sample http packet" title="HTTP Packet">
             <a:extLst>
               <a:ext uri="{FF2B5EF4-FFF2-40B4-BE49-F238E27FC236}">
-                <a16:creationId xmlns:a16="http://schemas.microsoft.com/office/drawing/2014/main" xmlns="" id="{47F9947B-5F62-4CB1-9892-B042FA48F4F7}"/>
+                <a16:creationId xmlns="" xmlns:a16="http://schemas.microsoft.com/office/drawing/2014/main" id="{47F9947B-5F62-4CB1-9892-B042FA48F4F7}"/>
               </a:ext>
             </a:extLst>
           </p:cNvPr>
@@ -6189,7 +6189,7 @@
           <p:cNvPr id="22" name="Group 21" descr="TCP Header prepended to HTTP packet." title="TCP Wrapped HTTP packet">
             <a:extLst>
               <a:ext uri="{FF2B5EF4-FFF2-40B4-BE49-F238E27FC236}">
-                <a16:creationId xmlns:a16="http://schemas.microsoft.com/office/drawing/2014/main" xmlns="" id="{FA27DC24-98BE-4928-98C3-30A503E17FFA}"/>
+                <a16:creationId xmlns="" xmlns:a16="http://schemas.microsoft.com/office/drawing/2014/main" id="{FA27DC24-98BE-4928-98C3-30A503E17FFA}"/>
               </a:ext>
             </a:extLst>
           </p:cNvPr>
@@ -6209,7 +6209,7 @@
             <p:cNvPr id="6" name="Rectangle 5">
               <a:extLst>
                 <a:ext uri="{FF2B5EF4-FFF2-40B4-BE49-F238E27FC236}">
-                  <a16:creationId xmlns:a16="http://schemas.microsoft.com/office/drawing/2014/main" xmlns="" id="{FC160E11-66DA-4D3A-8A05-26573FC28D29}"/>
+                  <a16:creationId xmlns="" xmlns:a16="http://schemas.microsoft.com/office/drawing/2014/main" id="{FC160E11-66DA-4D3A-8A05-26573FC28D29}"/>
                 </a:ext>
               </a:extLst>
             </p:cNvPr>
@@ -6258,7 +6258,7 @@
             <p:cNvPr id="7" name="Rectangle 6">
               <a:extLst>
                 <a:ext uri="{FF2B5EF4-FFF2-40B4-BE49-F238E27FC236}">
-                  <a16:creationId xmlns:a16="http://schemas.microsoft.com/office/drawing/2014/main" xmlns="" id="{51CA4A83-0567-4F0D-8F6E-A497B1A24168}"/>
+                  <a16:creationId xmlns="" xmlns:a16="http://schemas.microsoft.com/office/drawing/2014/main" id="{51CA4A83-0567-4F0D-8F6E-A497B1A24168}"/>
                 </a:ext>
               </a:extLst>
             </p:cNvPr>
@@ -6308,7 +6308,7 @@
           <p:cNvPr id="21" name="Group 20" descr="IP Header prepended to from of TCP packet (which contains TCP header prepedned to HTTP packet)" title="IP Wrapped TCP Packet">
             <a:extLst>
               <a:ext uri="{FF2B5EF4-FFF2-40B4-BE49-F238E27FC236}">
-                <a16:creationId xmlns:a16="http://schemas.microsoft.com/office/drawing/2014/main" xmlns="" id="{9FE580B5-C821-4439-87A1-006C1B4D1609}"/>
+                <a16:creationId xmlns="" xmlns:a16="http://schemas.microsoft.com/office/drawing/2014/main" id="{9FE580B5-C821-4439-87A1-006C1B4D1609}"/>
               </a:ext>
             </a:extLst>
           </p:cNvPr>
@@ -6328,7 +6328,7 @@
             <p:cNvPr id="11" name="Rectangle 10">
               <a:extLst>
                 <a:ext uri="{FF2B5EF4-FFF2-40B4-BE49-F238E27FC236}">
-                  <a16:creationId xmlns:a16="http://schemas.microsoft.com/office/drawing/2014/main" xmlns="" id="{815D1D12-E8B5-44D7-B36D-BB756E714C72}"/>
+                  <a16:creationId xmlns="" xmlns:a16="http://schemas.microsoft.com/office/drawing/2014/main" id="{815D1D12-E8B5-44D7-B36D-BB756E714C72}"/>
                 </a:ext>
               </a:extLst>
             </p:cNvPr>
@@ -6377,7 +6377,7 @@
             <p:cNvPr id="12" name="Rectangle 11">
               <a:extLst>
                 <a:ext uri="{FF2B5EF4-FFF2-40B4-BE49-F238E27FC236}">
-                  <a16:creationId xmlns:a16="http://schemas.microsoft.com/office/drawing/2014/main" xmlns="" id="{6582AF6C-18B2-4D31-B30B-B4EA39C67797}"/>
+                  <a16:creationId xmlns="" xmlns:a16="http://schemas.microsoft.com/office/drawing/2014/main" id="{6582AF6C-18B2-4D31-B30B-B4EA39C67797}"/>
                 </a:ext>
               </a:extLst>
             </p:cNvPr>
@@ -6426,7 +6426,7 @@
             <p:cNvPr id="13" name="Rectangle 12">
               <a:extLst>
                 <a:ext uri="{FF2B5EF4-FFF2-40B4-BE49-F238E27FC236}">
-                  <a16:creationId xmlns:a16="http://schemas.microsoft.com/office/drawing/2014/main" xmlns="" id="{1B9BF5F9-525E-42CB-8FF6-AAF56789B263}"/>
+                  <a16:creationId xmlns="" xmlns:a16="http://schemas.microsoft.com/office/drawing/2014/main" id="{1B9BF5F9-525E-42CB-8FF6-AAF56789B263}"/>
                 </a:ext>
               </a:extLst>
             </p:cNvPr>
@@ -6476,7 +6476,7 @@
           <p:cNvPr id="20" name="Group 19" descr="PPP protocol transmits full packet from one machine to the next." title="PPP Encapsulation">
             <a:extLst>
               <a:ext uri="{FF2B5EF4-FFF2-40B4-BE49-F238E27FC236}">
-                <a16:creationId xmlns:a16="http://schemas.microsoft.com/office/drawing/2014/main" xmlns="" id="{A53E8AC5-4BDE-4807-8B45-BE1FA2705970}"/>
+                <a16:creationId xmlns="" xmlns:a16="http://schemas.microsoft.com/office/drawing/2014/main" id="{A53E8AC5-4BDE-4807-8B45-BE1FA2705970}"/>
               </a:ext>
             </a:extLst>
           </p:cNvPr>
@@ -6496,7 +6496,7 @@
             <p:cNvPr id="17" name="Rectangle: Rounded Corners 16" descr="PPP protocol encapsulated whole packet to allow node to node communication." title="PPP Encapsulation">
               <a:extLst>
                 <a:ext uri="{FF2B5EF4-FFF2-40B4-BE49-F238E27FC236}">
-                  <a16:creationId xmlns:a16="http://schemas.microsoft.com/office/drawing/2014/main" xmlns="" id="{D1A368D7-1675-4102-9A13-8842296976CE}"/>
+                  <a16:creationId xmlns="" xmlns:a16="http://schemas.microsoft.com/office/drawing/2014/main" id="{D1A368D7-1675-4102-9A13-8842296976CE}"/>
                 </a:ext>
               </a:extLst>
             </p:cNvPr>
@@ -6544,7 +6544,7 @@
             <p:cNvPr id="14" name="Rectangle 13">
               <a:extLst>
                 <a:ext uri="{FF2B5EF4-FFF2-40B4-BE49-F238E27FC236}">
-                  <a16:creationId xmlns:a16="http://schemas.microsoft.com/office/drawing/2014/main" xmlns="" id="{8DF1BB35-A912-426E-B9B9-20037757CC0A}"/>
+                  <a16:creationId xmlns="" xmlns:a16="http://schemas.microsoft.com/office/drawing/2014/main" id="{8DF1BB35-A912-426E-B9B9-20037757CC0A}"/>
                 </a:ext>
               </a:extLst>
             </p:cNvPr>
@@ -6593,7 +6593,7 @@
             <p:cNvPr id="15" name="Rectangle 14">
               <a:extLst>
                 <a:ext uri="{FF2B5EF4-FFF2-40B4-BE49-F238E27FC236}">
-                  <a16:creationId xmlns:a16="http://schemas.microsoft.com/office/drawing/2014/main" xmlns="" id="{EA7372A8-4A10-4EC7-8B98-EA15AC321F2E}"/>
+                  <a16:creationId xmlns="" xmlns:a16="http://schemas.microsoft.com/office/drawing/2014/main" id="{EA7372A8-4A10-4EC7-8B98-EA15AC321F2E}"/>
                 </a:ext>
               </a:extLst>
             </p:cNvPr>
@@ -6642,7 +6642,7 @@
             <p:cNvPr id="16" name="Rectangle 15">
               <a:extLst>
                 <a:ext uri="{FF2B5EF4-FFF2-40B4-BE49-F238E27FC236}">
-                  <a16:creationId xmlns:a16="http://schemas.microsoft.com/office/drawing/2014/main" xmlns="" id="{E7B96A87-8031-4AB6-AEEE-5AA19A026E43}"/>
+                  <a16:creationId xmlns="" xmlns:a16="http://schemas.microsoft.com/office/drawing/2014/main" id="{E7B96A87-8031-4AB6-AEEE-5AA19A026E43}"/>
                 </a:ext>
               </a:extLst>
             </p:cNvPr>
@@ -6692,7 +6692,7 @@
           <p:cNvPr id="18" name="TextBox 17">
             <a:extLst>
               <a:ext uri="{FF2B5EF4-FFF2-40B4-BE49-F238E27FC236}">
-                <a16:creationId xmlns:a16="http://schemas.microsoft.com/office/drawing/2014/main" xmlns="" id="{7E032516-B8EA-4A47-B9AC-C2F7D481E7F8}"/>
+                <a16:creationId xmlns="" xmlns:a16="http://schemas.microsoft.com/office/drawing/2014/main" id="{7E032516-B8EA-4A47-B9AC-C2F7D481E7F8}"/>
               </a:ext>
             </a:extLst>
           </p:cNvPr>
@@ -6727,7 +6727,7 @@
           <p:cNvPr id="19" name="TextBox 18">
             <a:extLst>
               <a:ext uri="{FF2B5EF4-FFF2-40B4-BE49-F238E27FC236}">
-                <a16:creationId xmlns:a16="http://schemas.microsoft.com/office/drawing/2014/main" xmlns="" id="{04AB0A22-6DE2-4C99-A6D7-CD8A9222D4E0}"/>
+                <a16:creationId xmlns="" xmlns:a16="http://schemas.microsoft.com/office/drawing/2014/main" id="{04AB0A22-6DE2-4C99-A6D7-CD8A9222D4E0}"/>
               </a:ext>
             </a:extLst>
           </p:cNvPr>
@@ -6762,7 +6762,7 @@
           <p:cNvPr id="23" name="TextBox 22">
             <a:extLst>
               <a:ext uri="{FF2B5EF4-FFF2-40B4-BE49-F238E27FC236}">
-                <a16:creationId xmlns:a16="http://schemas.microsoft.com/office/drawing/2014/main" xmlns="" id="{9E0523DA-7AE4-4D71-82BB-56655D69DDAF}"/>
+                <a16:creationId xmlns="" xmlns:a16="http://schemas.microsoft.com/office/drawing/2014/main" id="{9E0523DA-7AE4-4D71-82BB-56655D69DDAF}"/>
               </a:ext>
             </a:extLst>
           </p:cNvPr>
@@ -6797,7 +6797,7 @@
           <p:cNvPr id="24" name="TextBox 23">
             <a:extLst>
               <a:ext uri="{FF2B5EF4-FFF2-40B4-BE49-F238E27FC236}">
-                <a16:creationId xmlns:a16="http://schemas.microsoft.com/office/drawing/2014/main" xmlns="" id="{9FC8CD82-1B6F-45DC-B783-5A2B7DC0965C}"/>
+                <a16:creationId xmlns="" xmlns:a16="http://schemas.microsoft.com/office/drawing/2014/main" id="{9FC8CD82-1B6F-45DC-B783-5A2B7DC0965C}"/>
               </a:ext>
             </a:extLst>
           </p:cNvPr>
@@ -6862,35 +6862,10 @@
       </p:grpSpPr>
       <p:sp>
         <p:nvSpPr>
-          <p:cNvPr id="11" name="Title 10">
-            <a:extLst>
-              <a:ext uri="{FF2B5EF4-FFF2-40B4-BE49-F238E27FC236}">
-                <a16:creationId xmlns:a16="http://schemas.microsoft.com/office/drawing/2014/main" xmlns="" id="{1F52A716-5142-4987-84C0-078D1007C406}"/>
-              </a:ext>
-            </a:extLst>
-          </p:cNvPr>
-          <p:cNvSpPr>
-            <a:spLocks noGrp="1"/>
-          </p:cNvSpPr>
-          <p:nvPr>
-            <p:ph type="title"/>
-          </p:nvPr>
-        </p:nvSpPr>
-        <p:spPr/>
-        <p:txBody>
-          <a:bodyPr/>
-          <a:lstStyle/>
-          <a:p>
-            <a:endParaRPr lang="en-US" dirty="0"/>
-          </a:p>
-        </p:txBody>
-      </p:sp>
-      <p:sp>
-        <p:nvSpPr>
           <p:cNvPr id="7" name="Slide Number Placeholder 6">
             <a:extLst>
               <a:ext uri="{FF2B5EF4-FFF2-40B4-BE49-F238E27FC236}">
-                <a16:creationId xmlns:a16="http://schemas.microsoft.com/office/drawing/2014/main" xmlns="" id="{27B55DC7-B95B-4807-B808-1E7A81E0F45A}"/>
+                <a16:creationId xmlns="" xmlns:a16="http://schemas.microsoft.com/office/drawing/2014/main" id="{27B55DC7-B95B-4807-B808-1E7A81E0F45A}"/>
               </a:ext>
             </a:extLst>
           </p:cNvPr>
@@ -6915,13 +6890,333 @@
           </a:p>
         </p:txBody>
       </p:sp>
+      <p:sp>
+        <p:nvSpPr>
+          <p:cNvPr id="19" name="Text Placeholder 7">
+            <a:extLst>
+              <a:ext uri="{FF2B5EF4-FFF2-40B4-BE49-F238E27FC236}">
+                <a16:creationId xmlns="" xmlns:a16="http://schemas.microsoft.com/office/drawing/2014/main" id="{2785A2B3-FCF4-4D59-9841-12917D91B27A}"/>
+              </a:ext>
+            </a:extLst>
+          </p:cNvPr>
+          <p:cNvSpPr txBox="1">
+            <a:spLocks/>
+          </p:cNvSpPr>
+          <p:nvPr/>
+        </p:nvSpPr>
+        <p:spPr>
+          <a:xfrm>
+            <a:off x="725683" y="871606"/>
+            <a:ext cx="7893050" cy="5114787"/>
+          </a:xfrm>
+          <a:prstGeom prst="rect">
+            <a:avLst/>
+          </a:prstGeom>
+        </p:spPr>
+        <p:txBody>
+          <a:bodyPr/>
+          <a:lstStyle>
+            <a:lvl1pPr marL="0" indent="0" algn="ctr" defTabSz="685800" rtl="0" eaLnBrk="0" fontAlgn="base" hangingPunct="0">
+              <a:lnSpc>
+                <a:spcPct val="90000"/>
+              </a:lnSpc>
+              <a:spcBef>
+                <a:spcPts val="750"/>
+              </a:spcBef>
+              <a:spcAft>
+                <a:spcPct val="0"/>
+              </a:spcAft>
+              <a:buFont typeface="Arial" charset="0"/>
+              <a:buNone/>
+              <a:defRPr sz="1800" kern="1200">
+                <a:solidFill>
+                  <a:schemeClr val="tx1"/>
+                </a:solidFill>
+                <a:latin typeface="+mn-lt"/>
+                <a:ea typeface="+mn-ea"/>
+                <a:cs typeface="+mn-cs"/>
+              </a:defRPr>
+            </a:lvl1pPr>
+            <a:lvl2pPr marL="514350" indent="-171450" algn="l" defTabSz="685800" rtl="0" eaLnBrk="0" fontAlgn="base" hangingPunct="0">
+              <a:lnSpc>
+                <a:spcPct val="90000"/>
+              </a:lnSpc>
+              <a:spcBef>
+                <a:spcPts val="375"/>
+              </a:spcBef>
+              <a:spcAft>
+                <a:spcPct val="0"/>
+              </a:spcAft>
+              <a:buFont typeface="Arial" charset="0"/>
+              <a:buChar char="•"/>
+              <a:defRPr sz="2400" kern="1200">
+                <a:solidFill>
+                  <a:schemeClr val="tx1"/>
+                </a:solidFill>
+                <a:latin typeface="+mn-lt"/>
+                <a:ea typeface="+mn-ea"/>
+                <a:cs typeface="+mn-cs"/>
+              </a:defRPr>
+            </a:lvl2pPr>
+            <a:lvl3pPr marL="857250" indent="-171450" algn="l" defTabSz="685800" rtl="0" eaLnBrk="0" fontAlgn="base" hangingPunct="0">
+              <a:lnSpc>
+                <a:spcPct val="90000"/>
+              </a:lnSpc>
+              <a:spcBef>
+                <a:spcPts val="375"/>
+              </a:spcBef>
+              <a:spcAft>
+                <a:spcPct val="0"/>
+              </a:spcAft>
+              <a:buFont typeface="Arial" charset="0"/>
+              <a:buChar char="•"/>
+              <a:defRPr sz="1800" kern="1200">
+                <a:solidFill>
+                  <a:schemeClr val="tx1"/>
+                </a:solidFill>
+                <a:latin typeface="+mn-lt"/>
+                <a:ea typeface="+mn-ea"/>
+                <a:cs typeface="+mn-cs"/>
+              </a:defRPr>
+            </a:lvl3pPr>
+            <a:lvl4pPr marL="1200150" indent="-171450" algn="l" defTabSz="685800" rtl="0" eaLnBrk="0" fontAlgn="base" hangingPunct="0">
+              <a:lnSpc>
+                <a:spcPct val="90000"/>
+              </a:lnSpc>
+              <a:spcBef>
+                <a:spcPts val="375"/>
+              </a:spcBef>
+              <a:spcAft>
+                <a:spcPct val="0"/>
+              </a:spcAft>
+              <a:buFont typeface="Arial" charset="0"/>
+              <a:buChar char="•"/>
+              <a:defRPr sz="1600" kern="1200">
+                <a:solidFill>
+                  <a:schemeClr val="tx1"/>
+                </a:solidFill>
+                <a:latin typeface="+mn-lt"/>
+                <a:ea typeface="+mn-ea"/>
+                <a:cs typeface="+mn-cs"/>
+              </a:defRPr>
+            </a:lvl4pPr>
+            <a:lvl5pPr marL="1543050" indent="-171450" algn="l" defTabSz="685800" rtl="0" eaLnBrk="0" fontAlgn="base" hangingPunct="0">
+              <a:lnSpc>
+                <a:spcPct val="90000"/>
+              </a:lnSpc>
+              <a:spcBef>
+                <a:spcPts val="375"/>
+              </a:spcBef>
+              <a:spcAft>
+                <a:spcPct val="0"/>
+              </a:spcAft>
+              <a:buFont typeface="Arial" charset="0"/>
+              <a:buChar char="•"/>
+              <a:defRPr sz="1600" kern="1200">
+                <a:solidFill>
+                  <a:schemeClr val="tx1"/>
+                </a:solidFill>
+                <a:latin typeface="+mn-lt"/>
+                <a:ea typeface="+mn-ea"/>
+                <a:cs typeface="+mn-cs"/>
+              </a:defRPr>
+            </a:lvl5pPr>
+            <a:lvl6pPr marL="1885950" indent="-171450" algn="l" defTabSz="685800" rtl="0" eaLnBrk="1" latinLnBrk="0" hangingPunct="1">
+              <a:lnSpc>
+                <a:spcPct val="90000"/>
+              </a:lnSpc>
+              <a:spcBef>
+                <a:spcPts val="375"/>
+              </a:spcBef>
+              <a:buFont typeface="Arial" panose="020B0604020202020204" pitchFamily="34" charset="0"/>
+              <a:buChar char="•"/>
+              <a:defRPr sz="1350" kern="1200">
+                <a:solidFill>
+                  <a:schemeClr val="tx1"/>
+                </a:solidFill>
+                <a:latin typeface="+mn-lt"/>
+                <a:ea typeface="+mn-ea"/>
+                <a:cs typeface="+mn-cs"/>
+              </a:defRPr>
+            </a:lvl6pPr>
+            <a:lvl7pPr marL="2228850" indent="-171450" algn="l" defTabSz="685800" rtl="0" eaLnBrk="1" latinLnBrk="0" hangingPunct="1">
+              <a:lnSpc>
+                <a:spcPct val="90000"/>
+              </a:lnSpc>
+              <a:spcBef>
+                <a:spcPts val="375"/>
+              </a:spcBef>
+              <a:buFont typeface="Arial" panose="020B0604020202020204" pitchFamily="34" charset="0"/>
+              <a:buChar char="•"/>
+              <a:defRPr sz="1350" kern="1200">
+                <a:solidFill>
+                  <a:schemeClr val="tx1"/>
+                </a:solidFill>
+                <a:latin typeface="+mn-lt"/>
+                <a:ea typeface="+mn-ea"/>
+                <a:cs typeface="+mn-cs"/>
+              </a:defRPr>
+            </a:lvl7pPr>
+            <a:lvl8pPr marL="2571750" indent="-171450" algn="l" defTabSz="685800" rtl="0" eaLnBrk="1" latinLnBrk="0" hangingPunct="1">
+              <a:lnSpc>
+                <a:spcPct val="90000"/>
+              </a:lnSpc>
+              <a:spcBef>
+                <a:spcPts val="375"/>
+              </a:spcBef>
+              <a:buFont typeface="Arial" panose="020B0604020202020204" pitchFamily="34" charset="0"/>
+              <a:buChar char="•"/>
+              <a:defRPr sz="1350" kern="1200">
+                <a:solidFill>
+                  <a:schemeClr val="tx1"/>
+                </a:solidFill>
+                <a:latin typeface="+mn-lt"/>
+                <a:ea typeface="+mn-ea"/>
+                <a:cs typeface="+mn-cs"/>
+              </a:defRPr>
+            </a:lvl8pPr>
+            <a:lvl9pPr marL="2914650" indent="-171450" algn="l" defTabSz="685800" rtl="0" eaLnBrk="1" latinLnBrk="0" hangingPunct="1">
+              <a:lnSpc>
+                <a:spcPct val="90000"/>
+              </a:lnSpc>
+              <a:spcBef>
+                <a:spcPts val="375"/>
+              </a:spcBef>
+              <a:buFont typeface="Arial" panose="020B0604020202020204" pitchFamily="34" charset="0"/>
+              <a:buChar char="•"/>
+              <a:defRPr sz="1350" kern="1200">
+                <a:solidFill>
+                  <a:schemeClr val="tx1"/>
+                </a:solidFill>
+                <a:latin typeface="+mn-lt"/>
+                <a:ea typeface="+mn-ea"/>
+                <a:cs typeface="+mn-cs"/>
+              </a:defRPr>
+            </a:lvl9pPr>
+          </a:lstStyle>
+          <a:p>
+            <a:r>
+              <a:rPr lang="en-US" dirty="0"/>
+              <a:t>Please attribute Dr. Jim Alves-Foss and Dr. Jia Song, University of Idaho</a:t>
+            </a:r>
+            <a:br>
+              <a:rPr lang="en-US" dirty="0"/>
+            </a:br>
+            <a:r>
+              <a:rPr lang="en-US" dirty="0"/>
+              <a:t/>
+            </a:r>
+            <a:br>
+              <a:rPr lang="en-US" dirty="0"/>
+            </a:br>
+            <a:r>
+              <a:rPr lang="en-US" dirty="0"/>
+              <a:t/>
+            </a:r>
+            <a:br>
+              <a:rPr lang="en-US" dirty="0"/>
+            </a:br>
+            <a:r>
+              <a:rPr lang="en-US" dirty="0"/>
+              <a:t/>
+            </a:r>
+            <a:br>
+              <a:rPr lang="en-US" dirty="0"/>
+            </a:br>
+            <a:r>
+              <a:rPr lang="en-US" dirty="0"/>
+              <a:t/>
+            </a:r>
+            <a:br>
+              <a:rPr lang="en-US" dirty="0"/>
+            </a:br>
+            <a:r>
+              <a:rPr lang="en-US" dirty="0"/>
+              <a:t/>
+            </a:r>
+            <a:br>
+              <a:rPr lang="en-US" dirty="0"/>
+            </a:br>
+            <a:r>
+              <a:rPr lang="en-US" dirty="0"/>
+              <a:t/>
+            </a:r>
+            <a:br>
+              <a:rPr lang="en-US" dirty="0"/>
+            </a:br>
+            <a:r>
+              <a:rPr lang="en-US" dirty="0"/>
+              <a:t/>
+            </a:r>
+            <a:br>
+              <a:rPr lang="en-US" dirty="0"/>
+            </a:br>
+            <a:endParaRPr lang="en-US" dirty="0"/>
+          </a:p>
+          <a:p>
+            <a:r>
+              <a:rPr lang="en-US" sz="1600" dirty="0"/>
+              <a:t>Except where otherwise noted, this work is licensed under https://creativecommons.org/licenses/by-nc-sa/4.0/</a:t>
+            </a:r>
+            <a:br>
+              <a:rPr lang="en-US" sz="1600" dirty="0"/>
+            </a:br>
+            <a:r>
+              <a:rPr lang="en-US" sz="1600" dirty="0"/>
+              <a:t/>
+            </a:r>
+            <a:br>
+              <a:rPr lang="en-US" sz="1600" dirty="0"/>
+            </a:br>
+            <a:r>
+              <a:rPr lang="en-US" sz="1600" dirty="0"/>
+              <a:t>Not withstanding the non-commercial license terms, non-profit educational institutions are granted a non-exclusive license to adapt and use this material, with attribution.</a:t>
+            </a:r>
+            <a:br>
+              <a:rPr lang="en-US" sz="1600" dirty="0"/>
+            </a:br>
+            <a:r>
+              <a:rPr lang="en-US" sz="1600" dirty="0"/>
+              <a:t/>
+            </a:r>
+            <a:br>
+              <a:rPr lang="en-US" sz="1600" dirty="0"/>
+            </a:br>
+            <a:r>
+              <a:rPr lang="en-US" sz="1600" dirty="0"/>
+              <a:t>Creative Commons and the double C in a circle are registered trademarks of Creative commons in the United States and other countries. Third party marks and brands are the property of their respective holders</a:t>
+            </a:r>
+            <a:r>
+              <a:rPr lang="en-US" sz="1600" dirty="0" smtClean="0"/>
+              <a:t>.</a:t>
+            </a:r>
+          </a:p>
+          <a:p>
+            <a:r>
+              <a:rPr lang="en-US" sz="1600" dirty="0"/>
+              <a:t>Project sponsored by the National Security Agency under grant Number </a:t>
+            </a:r>
+            <a:r>
+              <a:rPr lang="en-US" sz="1600" dirty="0" smtClean="0"/>
+              <a:t>H98230-17-1-0199. The </a:t>
+            </a:r>
+            <a:r>
+              <a:rPr lang="en-US" sz="1600" dirty="0"/>
+              <a:t>United States Government is authorized to reproduce and distribute reprints notwithstanding any copyright notation herein.</a:t>
+            </a:r>
+          </a:p>
+          <a:p>
+            <a:endParaRPr lang="en-US" sz="1600" dirty="0"/>
+          </a:p>
+        </p:txBody>
+      </p:sp>
     </p:spTree>
     <p:custDataLst>
       <p:tags r:id="rId1"/>
     </p:custDataLst>
     <p:extLst>
       <p:ext uri="{BB962C8B-B14F-4D97-AF65-F5344CB8AC3E}">
-        <p14:creationId xmlns:p14="http://schemas.microsoft.com/office/powerpoint/2010/main" val="1892705052"/>
+        <p14:creationId xmlns:p14="http://schemas.microsoft.com/office/powerpoint/2010/main" val="285988182"/>
       </p:ext>
     </p:extLst>
   </p:cSld>
@@ -8052,7 +8347,7 @@
           <p:cNvPr id="2" name="Group 1" descr="This diagram pictures the seven layers of the network stack. From top to bottom: Application, Presentation, Session, Transport, Network, Data Link, Physical. One stack of all seven layers on each side, representing two end points on the network. We can see communication directly between peer layers on the two hosts. However, thus communication is only logical., In reality communication goes from higher layers down to lower, until it reaches the physical layer. There it is transmitted to a neighboring (usually intermediate) node. That machine, inthis diagram implements the bottom three layers of the network stack. The data communication travels up from phyiscal through data link to the network layer, where routing decisions are made, and then back down to be sent along to similar intermediate nodes until eventually tothe end host where the communication proceeds up the stack the to appropriate peer layer." title="End to end Network Diagram">
             <a:extLst>
               <a:ext uri="{FF2B5EF4-FFF2-40B4-BE49-F238E27FC236}">
-                <a16:creationId xmlns:a16="http://schemas.microsoft.com/office/drawing/2014/main" xmlns="" id="{DBC27A6A-16AA-49B8-A8C5-D96C2816191F}"/>
+                <a16:creationId xmlns="" xmlns:a16="http://schemas.microsoft.com/office/drawing/2014/main" id="{DBC27A6A-16AA-49B8-A8C5-D96C2816191F}"/>
               </a:ext>
             </a:extLst>
           </p:cNvPr>
